--- a/ppt 16-9/0235.想念主恩.pptx
+++ b/ppt 16-9/0235.想念主恩.pptx
@@ -129,7 +129,7 @@
           <p:cNvPr id="2" name="标题 1">
             <a:extLst>
               <a:ext uri="{FF2B5EF4-FFF2-40B4-BE49-F238E27FC236}">
-                <a16:creationId xmlns:a16="http://schemas.microsoft.com/office/drawing/2014/main" id="{7A65CE1C-3BF2-CF4A-3D61-DFBFC7A430B0}"/>
+                <a16:creationId xmlns:a16="http://schemas.microsoft.com/office/drawing/2014/main" id="{F54885DD-5C3C-F8A7-A1BB-7CC40BE9989F}"/>
               </a:ext>
             </a:extLst>
           </p:cNvPr>
@@ -166,7 +166,7 @@
           <p:cNvPr id="3" name="副标题 2">
             <a:extLst>
               <a:ext uri="{FF2B5EF4-FFF2-40B4-BE49-F238E27FC236}">
-                <a16:creationId xmlns:a16="http://schemas.microsoft.com/office/drawing/2014/main" id="{6DF027DA-BEC1-9BD7-9EAA-8A086483EEFA}"/>
+                <a16:creationId xmlns:a16="http://schemas.microsoft.com/office/drawing/2014/main" id="{F41BB6D1-E0D2-C456-DEA5-29862C136F69}"/>
               </a:ext>
             </a:extLst>
           </p:cNvPr>
@@ -236,7 +236,7 @@
           <p:cNvPr id="4" name="日期占位符 3">
             <a:extLst>
               <a:ext uri="{FF2B5EF4-FFF2-40B4-BE49-F238E27FC236}">
-                <a16:creationId xmlns:a16="http://schemas.microsoft.com/office/drawing/2014/main" id="{75A21409-DE6F-646E-17E4-A03A92FC524B}"/>
+                <a16:creationId xmlns:a16="http://schemas.microsoft.com/office/drawing/2014/main" id="{37ECF5C8-C203-A2CD-6FC6-BA961F86E055}"/>
               </a:ext>
             </a:extLst>
           </p:cNvPr>
@@ -252,7 +252,7 @@
           <a:bodyPr/>
           <a:lstStyle/>
           <a:p>
-            <a:fld id="{D5327D9C-5B37-4ED7-B4C5-C26A8E889E44}" type="datetimeFigureOut">
+            <a:fld id="{4850415D-6D29-478F-B893-1BE9695F392A}" type="datetimeFigureOut">
               <a:rPr lang="zh-CN" altLang="en-US" smtClean="0"/>
               <a:t>2024/3/10</a:t>
             </a:fld>
@@ -265,7 +265,7 @@
           <p:cNvPr id="5" name="页脚占位符 4">
             <a:extLst>
               <a:ext uri="{FF2B5EF4-FFF2-40B4-BE49-F238E27FC236}">
-                <a16:creationId xmlns:a16="http://schemas.microsoft.com/office/drawing/2014/main" id="{92C65D68-1260-9DE3-F768-BA89E2D13397}"/>
+                <a16:creationId xmlns:a16="http://schemas.microsoft.com/office/drawing/2014/main" id="{3D90A7A4-9460-6103-FFF5-690E3B4B97F2}"/>
               </a:ext>
             </a:extLst>
           </p:cNvPr>
@@ -290,7 +290,7 @@
           <p:cNvPr id="6" name="灯片编号占位符 5">
             <a:extLst>
               <a:ext uri="{FF2B5EF4-FFF2-40B4-BE49-F238E27FC236}">
-                <a16:creationId xmlns:a16="http://schemas.microsoft.com/office/drawing/2014/main" id="{831C147B-8773-CFE9-E1EC-AB3A960D9950}"/>
+                <a16:creationId xmlns:a16="http://schemas.microsoft.com/office/drawing/2014/main" id="{CF21E0CD-275C-31A4-818D-F16B54F01975}"/>
               </a:ext>
             </a:extLst>
           </p:cNvPr>
@@ -306,7 +306,7 @@
           <a:bodyPr/>
           <a:lstStyle/>
           <a:p>
-            <a:fld id="{0D2681A0-609B-4C38-AD14-B10ED2357C43}" type="slidenum">
+            <a:fld id="{C28E1993-DC4C-4E7B-A39F-5410968D4895}" type="slidenum">
               <a:rPr lang="zh-CN" altLang="en-US" smtClean="0"/>
               <a:t>‹#›</a:t>
             </a:fld>
@@ -317,7 +317,7 @@
     </p:spTree>
     <p:extLst>
       <p:ext uri="{BB962C8B-B14F-4D97-AF65-F5344CB8AC3E}">
-        <p14:creationId xmlns:p14="http://schemas.microsoft.com/office/powerpoint/2010/main" val="3966423909"/>
+        <p14:creationId xmlns:p14="http://schemas.microsoft.com/office/powerpoint/2010/main" val="3204495576"/>
       </p:ext>
     </p:extLst>
   </p:cSld>
@@ -349,7 +349,7 @@
           <p:cNvPr id="2" name="标题 1">
             <a:extLst>
               <a:ext uri="{FF2B5EF4-FFF2-40B4-BE49-F238E27FC236}">
-                <a16:creationId xmlns:a16="http://schemas.microsoft.com/office/drawing/2014/main" id="{2686AEE8-B1C6-AA59-DF10-AA5C4CD7C371}"/>
+                <a16:creationId xmlns:a16="http://schemas.microsoft.com/office/drawing/2014/main" id="{7B940476-8DC8-9B20-3B12-FE9D78A4324D}"/>
               </a:ext>
             </a:extLst>
           </p:cNvPr>
@@ -377,7 +377,7 @@
           <p:cNvPr id="3" name="竖排文字占位符 2">
             <a:extLst>
               <a:ext uri="{FF2B5EF4-FFF2-40B4-BE49-F238E27FC236}">
-                <a16:creationId xmlns:a16="http://schemas.microsoft.com/office/drawing/2014/main" id="{0F84084A-30E3-6DF6-FFEC-DDDDF397A98C}"/>
+                <a16:creationId xmlns:a16="http://schemas.microsoft.com/office/drawing/2014/main" id="{8ABFFD8A-654B-0872-8C5C-167B49E21BA1}"/>
               </a:ext>
             </a:extLst>
           </p:cNvPr>
@@ -434,7 +434,7 @@
           <p:cNvPr id="4" name="日期占位符 3">
             <a:extLst>
               <a:ext uri="{FF2B5EF4-FFF2-40B4-BE49-F238E27FC236}">
-                <a16:creationId xmlns:a16="http://schemas.microsoft.com/office/drawing/2014/main" id="{515293FF-2ED3-6D19-E330-94EE50057815}"/>
+                <a16:creationId xmlns:a16="http://schemas.microsoft.com/office/drawing/2014/main" id="{FA023A05-3132-3E33-B645-08830222F983}"/>
               </a:ext>
             </a:extLst>
           </p:cNvPr>
@@ -450,7 +450,7 @@
           <a:bodyPr/>
           <a:lstStyle/>
           <a:p>
-            <a:fld id="{D5327D9C-5B37-4ED7-B4C5-C26A8E889E44}" type="datetimeFigureOut">
+            <a:fld id="{4850415D-6D29-478F-B893-1BE9695F392A}" type="datetimeFigureOut">
               <a:rPr lang="zh-CN" altLang="en-US" smtClean="0"/>
               <a:t>2024/3/10</a:t>
             </a:fld>
@@ -463,7 +463,7 @@
           <p:cNvPr id="5" name="页脚占位符 4">
             <a:extLst>
               <a:ext uri="{FF2B5EF4-FFF2-40B4-BE49-F238E27FC236}">
-                <a16:creationId xmlns:a16="http://schemas.microsoft.com/office/drawing/2014/main" id="{FACDCEDB-DAB3-83AD-436F-19C90B50FE47}"/>
+                <a16:creationId xmlns:a16="http://schemas.microsoft.com/office/drawing/2014/main" id="{311CA73B-279B-6D0D-1447-6076678AA543}"/>
               </a:ext>
             </a:extLst>
           </p:cNvPr>
@@ -488,7 +488,7 @@
           <p:cNvPr id="6" name="灯片编号占位符 5">
             <a:extLst>
               <a:ext uri="{FF2B5EF4-FFF2-40B4-BE49-F238E27FC236}">
-                <a16:creationId xmlns:a16="http://schemas.microsoft.com/office/drawing/2014/main" id="{3CE48BFD-D886-E526-5866-E0084D1B2555}"/>
+                <a16:creationId xmlns:a16="http://schemas.microsoft.com/office/drawing/2014/main" id="{71592861-BC8D-1F61-16C2-099BF6A310E2}"/>
               </a:ext>
             </a:extLst>
           </p:cNvPr>
@@ -504,7 +504,7 @@
           <a:bodyPr/>
           <a:lstStyle/>
           <a:p>
-            <a:fld id="{0D2681A0-609B-4C38-AD14-B10ED2357C43}" type="slidenum">
+            <a:fld id="{C28E1993-DC4C-4E7B-A39F-5410968D4895}" type="slidenum">
               <a:rPr lang="zh-CN" altLang="en-US" smtClean="0"/>
               <a:t>‹#›</a:t>
             </a:fld>
@@ -515,7 +515,7 @@
     </p:spTree>
     <p:extLst>
       <p:ext uri="{BB962C8B-B14F-4D97-AF65-F5344CB8AC3E}">
-        <p14:creationId xmlns:p14="http://schemas.microsoft.com/office/powerpoint/2010/main" val="1770912704"/>
+        <p14:creationId xmlns:p14="http://schemas.microsoft.com/office/powerpoint/2010/main" val="594551710"/>
       </p:ext>
     </p:extLst>
   </p:cSld>
@@ -547,7 +547,7 @@
           <p:cNvPr id="2" name="竖排标题 1">
             <a:extLst>
               <a:ext uri="{FF2B5EF4-FFF2-40B4-BE49-F238E27FC236}">
-                <a16:creationId xmlns:a16="http://schemas.microsoft.com/office/drawing/2014/main" id="{109DDB5D-370F-7256-3D77-C1186E3AC629}"/>
+                <a16:creationId xmlns:a16="http://schemas.microsoft.com/office/drawing/2014/main" id="{A9E3DF4F-AA9B-BFD7-5D6F-2C7C249549B5}"/>
               </a:ext>
             </a:extLst>
           </p:cNvPr>
@@ -580,7 +580,7 @@
           <p:cNvPr id="3" name="竖排文字占位符 2">
             <a:extLst>
               <a:ext uri="{FF2B5EF4-FFF2-40B4-BE49-F238E27FC236}">
-                <a16:creationId xmlns:a16="http://schemas.microsoft.com/office/drawing/2014/main" id="{88AA03B0-186D-FB6F-335A-72384D023E7B}"/>
+                <a16:creationId xmlns:a16="http://schemas.microsoft.com/office/drawing/2014/main" id="{269A8C43-2C65-5F54-D896-8D9E12C60F6B}"/>
               </a:ext>
             </a:extLst>
           </p:cNvPr>
@@ -642,7 +642,7 @@
           <p:cNvPr id="4" name="日期占位符 3">
             <a:extLst>
               <a:ext uri="{FF2B5EF4-FFF2-40B4-BE49-F238E27FC236}">
-                <a16:creationId xmlns:a16="http://schemas.microsoft.com/office/drawing/2014/main" id="{9098D63C-BC64-9563-B120-E3236C8264DA}"/>
+                <a16:creationId xmlns:a16="http://schemas.microsoft.com/office/drawing/2014/main" id="{C3F3847E-964D-5E40-DC2A-5D5DDA070EA0}"/>
               </a:ext>
             </a:extLst>
           </p:cNvPr>
@@ -658,7 +658,7 @@
           <a:bodyPr/>
           <a:lstStyle/>
           <a:p>
-            <a:fld id="{D5327D9C-5B37-4ED7-B4C5-C26A8E889E44}" type="datetimeFigureOut">
+            <a:fld id="{4850415D-6D29-478F-B893-1BE9695F392A}" type="datetimeFigureOut">
               <a:rPr lang="zh-CN" altLang="en-US" smtClean="0"/>
               <a:t>2024/3/10</a:t>
             </a:fld>
@@ -671,7 +671,7 @@
           <p:cNvPr id="5" name="页脚占位符 4">
             <a:extLst>
               <a:ext uri="{FF2B5EF4-FFF2-40B4-BE49-F238E27FC236}">
-                <a16:creationId xmlns:a16="http://schemas.microsoft.com/office/drawing/2014/main" id="{876583D7-9F96-0186-6DCB-CAF9E622DDF1}"/>
+                <a16:creationId xmlns:a16="http://schemas.microsoft.com/office/drawing/2014/main" id="{2F13618D-D9C6-2C8F-AC43-5DBA449E7E3D}"/>
               </a:ext>
             </a:extLst>
           </p:cNvPr>
@@ -696,7 +696,7 @@
           <p:cNvPr id="6" name="灯片编号占位符 5">
             <a:extLst>
               <a:ext uri="{FF2B5EF4-FFF2-40B4-BE49-F238E27FC236}">
-                <a16:creationId xmlns:a16="http://schemas.microsoft.com/office/drawing/2014/main" id="{1F627AF4-7C9C-E3A1-E703-C6006F40CD60}"/>
+                <a16:creationId xmlns:a16="http://schemas.microsoft.com/office/drawing/2014/main" id="{5102F919-A46E-753E-7A82-FEF91571C9F7}"/>
               </a:ext>
             </a:extLst>
           </p:cNvPr>
@@ -712,7 +712,7 @@
           <a:bodyPr/>
           <a:lstStyle/>
           <a:p>
-            <a:fld id="{0D2681A0-609B-4C38-AD14-B10ED2357C43}" type="slidenum">
+            <a:fld id="{C28E1993-DC4C-4E7B-A39F-5410968D4895}" type="slidenum">
               <a:rPr lang="zh-CN" altLang="en-US" smtClean="0"/>
               <a:t>‹#›</a:t>
             </a:fld>
@@ -723,7 +723,7 @@
     </p:spTree>
     <p:extLst>
       <p:ext uri="{BB962C8B-B14F-4D97-AF65-F5344CB8AC3E}">
-        <p14:creationId xmlns:p14="http://schemas.microsoft.com/office/powerpoint/2010/main" val="2695355640"/>
+        <p14:creationId xmlns:p14="http://schemas.microsoft.com/office/powerpoint/2010/main" val="1721993738"/>
       </p:ext>
     </p:extLst>
   </p:cSld>
@@ -755,7 +755,7 @@
           <p:cNvPr id="2" name="标题 1">
             <a:extLst>
               <a:ext uri="{FF2B5EF4-FFF2-40B4-BE49-F238E27FC236}">
-                <a16:creationId xmlns:a16="http://schemas.microsoft.com/office/drawing/2014/main" id="{A418D9B9-C92C-9A1A-F286-7B363B359DB9}"/>
+                <a16:creationId xmlns:a16="http://schemas.microsoft.com/office/drawing/2014/main" id="{4CE31401-66BE-31C5-77B0-65822424D19B}"/>
               </a:ext>
             </a:extLst>
           </p:cNvPr>
@@ -783,7 +783,7 @@
           <p:cNvPr id="3" name="内容占位符 2">
             <a:extLst>
               <a:ext uri="{FF2B5EF4-FFF2-40B4-BE49-F238E27FC236}">
-                <a16:creationId xmlns:a16="http://schemas.microsoft.com/office/drawing/2014/main" id="{84687477-47F2-3442-2DFF-1387ABD25142}"/>
+                <a16:creationId xmlns:a16="http://schemas.microsoft.com/office/drawing/2014/main" id="{C87284E8-7FE2-6B7A-8FA3-CE8231BDAC7F}"/>
               </a:ext>
             </a:extLst>
           </p:cNvPr>
@@ -840,7 +840,7 @@
           <p:cNvPr id="4" name="日期占位符 3">
             <a:extLst>
               <a:ext uri="{FF2B5EF4-FFF2-40B4-BE49-F238E27FC236}">
-                <a16:creationId xmlns:a16="http://schemas.microsoft.com/office/drawing/2014/main" id="{3F01D3DC-A210-08B4-D472-5625C0CD2644}"/>
+                <a16:creationId xmlns:a16="http://schemas.microsoft.com/office/drawing/2014/main" id="{8082799F-6935-076B-DFE1-8164B8259F47}"/>
               </a:ext>
             </a:extLst>
           </p:cNvPr>
@@ -856,7 +856,7 @@
           <a:bodyPr/>
           <a:lstStyle/>
           <a:p>
-            <a:fld id="{D5327D9C-5B37-4ED7-B4C5-C26A8E889E44}" type="datetimeFigureOut">
+            <a:fld id="{4850415D-6D29-478F-B893-1BE9695F392A}" type="datetimeFigureOut">
               <a:rPr lang="zh-CN" altLang="en-US" smtClean="0"/>
               <a:t>2024/3/10</a:t>
             </a:fld>
@@ -869,7 +869,7 @@
           <p:cNvPr id="5" name="页脚占位符 4">
             <a:extLst>
               <a:ext uri="{FF2B5EF4-FFF2-40B4-BE49-F238E27FC236}">
-                <a16:creationId xmlns:a16="http://schemas.microsoft.com/office/drawing/2014/main" id="{C0F05AA8-8777-E225-9BEB-894C275092FB}"/>
+                <a16:creationId xmlns:a16="http://schemas.microsoft.com/office/drawing/2014/main" id="{5E335195-190C-8B52-31D2-F4492CCE2A1B}"/>
               </a:ext>
             </a:extLst>
           </p:cNvPr>
@@ -894,7 +894,7 @@
           <p:cNvPr id="6" name="灯片编号占位符 5">
             <a:extLst>
               <a:ext uri="{FF2B5EF4-FFF2-40B4-BE49-F238E27FC236}">
-                <a16:creationId xmlns:a16="http://schemas.microsoft.com/office/drawing/2014/main" id="{B0106B1A-3B0C-8C08-6806-8A721EBACC51}"/>
+                <a16:creationId xmlns:a16="http://schemas.microsoft.com/office/drawing/2014/main" id="{7EE65BE8-0F10-935C-5F2C-B04682D62DDE}"/>
               </a:ext>
             </a:extLst>
           </p:cNvPr>
@@ -910,7 +910,7 @@
           <a:bodyPr/>
           <a:lstStyle/>
           <a:p>
-            <a:fld id="{0D2681A0-609B-4C38-AD14-B10ED2357C43}" type="slidenum">
+            <a:fld id="{C28E1993-DC4C-4E7B-A39F-5410968D4895}" type="slidenum">
               <a:rPr lang="zh-CN" altLang="en-US" smtClean="0"/>
               <a:t>‹#›</a:t>
             </a:fld>
@@ -921,7 +921,7 @@
     </p:spTree>
     <p:extLst>
       <p:ext uri="{BB962C8B-B14F-4D97-AF65-F5344CB8AC3E}">
-        <p14:creationId xmlns:p14="http://schemas.microsoft.com/office/powerpoint/2010/main" val="3324401745"/>
+        <p14:creationId xmlns:p14="http://schemas.microsoft.com/office/powerpoint/2010/main" val="999402125"/>
       </p:ext>
     </p:extLst>
   </p:cSld>
@@ -953,7 +953,7 @@
           <p:cNvPr id="2" name="标题 1">
             <a:extLst>
               <a:ext uri="{FF2B5EF4-FFF2-40B4-BE49-F238E27FC236}">
-                <a16:creationId xmlns:a16="http://schemas.microsoft.com/office/drawing/2014/main" id="{DBC2F593-537C-CFA3-9CD4-465EA4219215}"/>
+                <a16:creationId xmlns:a16="http://schemas.microsoft.com/office/drawing/2014/main" id="{1B6B2F2D-003F-310A-9F41-A7DEDFB1B59F}"/>
               </a:ext>
             </a:extLst>
           </p:cNvPr>
@@ -990,7 +990,7 @@
           <p:cNvPr id="3" name="文本占位符 2">
             <a:extLst>
               <a:ext uri="{FF2B5EF4-FFF2-40B4-BE49-F238E27FC236}">
-                <a16:creationId xmlns:a16="http://schemas.microsoft.com/office/drawing/2014/main" id="{9F112BF7-90B7-8821-F700-118638E219AA}"/>
+                <a16:creationId xmlns:a16="http://schemas.microsoft.com/office/drawing/2014/main" id="{CC809212-B7C3-8265-B382-FE64DB68925D}"/>
               </a:ext>
             </a:extLst>
           </p:cNvPr>
@@ -1115,7 +1115,7 @@
           <p:cNvPr id="4" name="日期占位符 3">
             <a:extLst>
               <a:ext uri="{FF2B5EF4-FFF2-40B4-BE49-F238E27FC236}">
-                <a16:creationId xmlns:a16="http://schemas.microsoft.com/office/drawing/2014/main" id="{3C0DDEDD-B2F5-3EF7-E832-5F64CE45F788}"/>
+                <a16:creationId xmlns:a16="http://schemas.microsoft.com/office/drawing/2014/main" id="{98781C1C-E232-E75E-F88C-CF41F59FBDF9}"/>
               </a:ext>
             </a:extLst>
           </p:cNvPr>
@@ -1131,7 +1131,7 @@
           <a:bodyPr/>
           <a:lstStyle/>
           <a:p>
-            <a:fld id="{D5327D9C-5B37-4ED7-B4C5-C26A8E889E44}" type="datetimeFigureOut">
+            <a:fld id="{4850415D-6D29-478F-B893-1BE9695F392A}" type="datetimeFigureOut">
               <a:rPr lang="zh-CN" altLang="en-US" smtClean="0"/>
               <a:t>2024/3/10</a:t>
             </a:fld>
@@ -1144,7 +1144,7 @@
           <p:cNvPr id="5" name="页脚占位符 4">
             <a:extLst>
               <a:ext uri="{FF2B5EF4-FFF2-40B4-BE49-F238E27FC236}">
-                <a16:creationId xmlns:a16="http://schemas.microsoft.com/office/drawing/2014/main" id="{B996ABC5-027B-E1EC-195E-281B8054A6B7}"/>
+                <a16:creationId xmlns:a16="http://schemas.microsoft.com/office/drawing/2014/main" id="{C56C2539-DDF5-FFB0-0598-9FDC5F119795}"/>
               </a:ext>
             </a:extLst>
           </p:cNvPr>
@@ -1169,7 +1169,7 @@
           <p:cNvPr id="6" name="灯片编号占位符 5">
             <a:extLst>
               <a:ext uri="{FF2B5EF4-FFF2-40B4-BE49-F238E27FC236}">
-                <a16:creationId xmlns:a16="http://schemas.microsoft.com/office/drawing/2014/main" id="{9FEF0FC8-E7BA-41B7-6D6B-683F4E795C93}"/>
+                <a16:creationId xmlns:a16="http://schemas.microsoft.com/office/drawing/2014/main" id="{870955B5-06A8-B49F-543C-F3B608731707}"/>
               </a:ext>
             </a:extLst>
           </p:cNvPr>
@@ -1185,7 +1185,7 @@
           <a:bodyPr/>
           <a:lstStyle/>
           <a:p>
-            <a:fld id="{0D2681A0-609B-4C38-AD14-B10ED2357C43}" type="slidenum">
+            <a:fld id="{C28E1993-DC4C-4E7B-A39F-5410968D4895}" type="slidenum">
               <a:rPr lang="zh-CN" altLang="en-US" smtClean="0"/>
               <a:t>‹#›</a:t>
             </a:fld>
@@ -1196,7 +1196,7 @@
     </p:spTree>
     <p:extLst>
       <p:ext uri="{BB962C8B-B14F-4D97-AF65-F5344CB8AC3E}">
-        <p14:creationId xmlns:p14="http://schemas.microsoft.com/office/powerpoint/2010/main" val="3152160897"/>
+        <p14:creationId xmlns:p14="http://schemas.microsoft.com/office/powerpoint/2010/main" val="2629829842"/>
       </p:ext>
     </p:extLst>
   </p:cSld>
@@ -1228,7 +1228,7 @@
           <p:cNvPr id="2" name="标题 1">
             <a:extLst>
               <a:ext uri="{FF2B5EF4-FFF2-40B4-BE49-F238E27FC236}">
-                <a16:creationId xmlns:a16="http://schemas.microsoft.com/office/drawing/2014/main" id="{3FEB6129-D4FA-4615-2392-C80781EC3029}"/>
+                <a16:creationId xmlns:a16="http://schemas.microsoft.com/office/drawing/2014/main" id="{E532FD06-3106-30FE-9E26-D918C9C72037}"/>
               </a:ext>
             </a:extLst>
           </p:cNvPr>
@@ -1256,7 +1256,7 @@
           <p:cNvPr id="3" name="内容占位符 2">
             <a:extLst>
               <a:ext uri="{FF2B5EF4-FFF2-40B4-BE49-F238E27FC236}">
-                <a16:creationId xmlns:a16="http://schemas.microsoft.com/office/drawing/2014/main" id="{04EEDB99-67C4-1BFB-6288-DB0544F3ECDF}"/>
+                <a16:creationId xmlns:a16="http://schemas.microsoft.com/office/drawing/2014/main" id="{47254A5A-7382-FFC0-1461-5C4E521C1C57}"/>
               </a:ext>
             </a:extLst>
           </p:cNvPr>
@@ -1318,7 +1318,7 @@
           <p:cNvPr id="4" name="内容占位符 3">
             <a:extLst>
               <a:ext uri="{FF2B5EF4-FFF2-40B4-BE49-F238E27FC236}">
-                <a16:creationId xmlns:a16="http://schemas.microsoft.com/office/drawing/2014/main" id="{177C5D2E-4068-7459-4E6C-91AB2DF7CE3C}"/>
+                <a16:creationId xmlns:a16="http://schemas.microsoft.com/office/drawing/2014/main" id="{32373E38-3F64-D774-0A8C-C438E411E75A}"/>
               </a:ext>
             </a:extLst>
           </p:cNvPr>
@@ -1380,7 +1380,7 @@
           <p:cNvPr id="5" name="日期占位符 4">
             <a:extLst>
               <a:ext uri="{FF2B5EF4-FFF2-40B4-BE49-F238E27FC236}">
-                <a16:creationId xmlns:a16="http://schemas.microsoft.com/office/drawing/2014/main" id="{0894B45E-11DA-DD6C-6BB5-CA1D22D11C18}"/>
+                <a16:creationId xmlns:a16="http://schemas.microsoft.com/office/drawing/2014/main" id="{EAD9B5F9-064F-9BF3-DB1E-5A3029F0B7B0}"/>
               </a:ext>
             </a:extLst>
           </p:cNvPr>
@@ -1396,7 +1396,7 @@
           <a:bodyPr/>
           <a:lstStyle/>
           <a:p>
-            <a:fld id="{D5327D9C-5B37-4ED7-B4C5-C26A8E889E44}" type="datetimeFigureOut">
+            <a:fld id="{4850415D-6D29-478F-B893-1BE9695F392A}" type="datetimeFigureOut">
               <a:rPr lang="zh-CN" altLang="en-US" smtClean="0"/>
               <a:t>2024/3/10</a:t>
             </a:fld>
@@ -1409,7 +1409,7 @@
           <p:cNvPr id="6" name="页脚占位符 5">
             <a:extLst>
               <a:ext uri="{FF2B5EF4-FFF2-40B4-BE49-F238E27FC236}">
-                <a16:creationId xmlns:a16="http://schemas.microsoft.com/office/drawing/2014/main" id="{C717AAE3-8AC0-AFED-E0C0-E9FB58E63ADD}"/>
+                <a16:creationId xmlns:a16="http://schemas.microsoft.com/office/drawing/2014/main" id="{C9985731-FF31-89FE-61FA-5AD72016DFC3}"/>
               </a:ext>
             </a:extLst>
           </p:cNvPr>
@@ -1434,7 +1434,7 @@
           <p:cNvPr id="7" name="灯片编号占位符 6">
             <a:extLst>
               <a:ext uri="{FF2B5EF4-FFF2-40B4-BE49-F238E27FC236}">
-                <a16:creationId xmlns:a16="http://schemas.microsoft.com/office/drawing/2014/main" id="{010D58BA-E314-B640-266C-BBCB79BB2E27}"/>
+                <a16:creationId xmlns:a16="http://schemas.microsoft.com/office/drawing/2014/main" id="{D1C6B0E7-F249-ABFE-DD34-7F25354C4D86}"/>
               </a:ext>
             </a:extLst>
           </p:cNvPr>
@@ -1450,7 +1450,7 @@
           <a:bodyPr/>
           <a:lstStyle/>
           <a:p>
-            <a:fld id="{0D2681A0-609B-4C38-AD14-B10ED2357C43}" type="slidenum">
+            <a:fld id="{C28E1993-DC4C-4E7B-A39F-5410968D4895}" type="slidenum">
               <a:rPr lang="zh-CN" altLang="en-US" smtClean="0"/>
               <a:t>‹#›</a:t>
             </a:fld>
@@ -1461,7 +1461,7 @@
     </p:spTree>
     <p:extLst>
       <p:ext uri="{BB962C8B-B14F-4D97-AF65-F5344CB8AC3E}">
-        <p14:creationId xmlns:p14="http://schemas.microsoft.com/office/powerpoint/2010/main" val="2800923277"/>
+        <p14:creationId xmlns:p14="http://schemas.microsoft.com/office/powerpoint/2010/main" val="4227583799"/>
       </p:ext>
     </p:extLst>
   </p:cSld>
@@ -1493,7 +1493,7 @@
           <p:cNvPr id="2" name="标题 1">
             <a:extLst>
               <a:ext uri="{FF2B5EF4-FFF2-40B4-BE49-F238E27FC236}">
-                <a16:creationId xmlns:a16="http://schemas.microsoft.com/office/drawing/2014/main" id="{6AB93C90-81C6-47BA-585D-4C45AC93DFC9}"/>
+                <a16:creationId xmlns:a16="http://schemas.microsoft.com/office/drawing/2014/main" id="{7196B987-8664-415B-EDBE-602196FC3BAA}"/>
               </a:ext>
             </a:extLst>
           </p:cNvPr>
@@ -1526,7 +1526,7 @@
           <p:cNvPr id="3" name="文本占位符 2">
             <a:extLst>
               <a:ext uri="{FF2B5EF4-FFF2-40B4-BE49-F238E27FC236}">
-                <a16:creationId xmlns:a16="http://schemas.microsoft.com/office/drawing/2014/main" id="{93B540BD-256D-0509-761E-A82B8BF4824A}"/>
+                <a16:creationId xmlns:a16="http://schemas.microsoft.com/office/drawing/2014/main" id="{DB899AA9-80D5-620B-29F6-41EDAA235819}"/>
               </a:ext>
             </a:extLst>
           </p:cNvPr>
@@ -1597,7 +1597,7 @@
           <p:cNvPr id="4" name="内容占位符 3">
             <a:extLst>
               <a:ext uri="{FF2B5EF4-FFF2-40B4-BE49-F238E27FC236}">
-                <a16:creationId xmlns:a16="http://schemas.microsoft.com/office/drawing/2014/main" id="{8E881BA7-DE83-7CD3-AFA1-997FEB0C7FF1}"/>
+                <a16:creationId xmlns:a16="http://schemas.microsoft.com/office/drawing/2014/main" id="{97EE7589-3DDF-71E0-372F-AEFE9AC1757A}"/>
               </a:ext>
             </a:extLst>
           </p:cNvPr>
@@ -1659,7 +1659,7 @@
           <p:cNvPr id="5" name="文本占位符 4">
             <a:extLst>
               <a:ext uri="{FF2B5EF4-FFF2-40B4-BE49-F238E27FC236}">
-                <a16:creationId xmlns:a16="http://schemas.microsoft.com/office/drawing/2014/main" id="{33E21122-FBB0-8A20-887B-B8B32B6CF421}"/>
+                <a16:creationId xmlns:a16="http://schemas.microsoft.com/office/drawing/2014/main" id="{77D325B5-EBA6-895E-4BC1-7E354C49D95C}"/>
               </a:ext>
             </a:extLst>
           </p:cNvPr>
@@ -1730,7 +1730,7 @@
           <p:cNvPr id="6" name="内容占位符 5">
             <a:extLst>
               <a:ext uri="{FF2B5EF4-FFF2-40B4-BE49-F238E27FC236}">
-                <a16:creationId xmlns:a16="http://schemas.microsoft.com/office/drawing/2014/main" id="{8D07D0D3-066D-58D5-64C5-CF1A6DE90DFF}"/>
+                <a16:creationId xmlns:a16="http://schemas.microsoft.com/office/drawing/2014/main" id="{4F3B20CE-8D2D-2544-B72C-C6A592C36B2A}"/>
               </a:ext>
             </a:extLst>
           </p:cNvPr>
@@ -1792,7 +1792,7 @@
           <p:cNvPr id="7" name="日期占位符 6">
             <a:extLst>
               <a:ext uri="{FF2B5EF4-FFF2-40B4-BE49-F238E27FC236}">
-                <a16:creationId xmlns:a16="http://schemas.microsoft.com/office/drawing/2014/main" id="{DA785802-4AD2-34EE-6C77-4B4A8DE9532A}"/>
+                <a16:creationId xmlns:a16="http://schemas.microsoft.com/office/drawing/2014/main" id="{9013D98A-5CBD-8820-9F60-EB5A0683F994}"/>
               </a:ext>
             </a:extLst>
           </p:cNvPr>
@@ -1808,7 +1808,7 @@
           <a:bodyPr/>
           <a:lstStyle/>
           <a:p>
-            <a:fld id="{D5327D9C-5B37-4ED7-B4C5-C26A8E889E44}" type="datetimeFigureOut">
+            <a:fld id="{4850415D-6D29-478F-B893-1BE9695F392A}" type="datetimeFigureOut">
               <a:rPr lang="zh-CN" altLang="en-US" smtClean="0"/>
               <a:t>2024/3/10</a:t>
             </a:fld>
@@ -1821,7 +1821,7 @@
           <p:cNvPr id="8" name="页脚占位符 7">
             <a:extLst>
               <a:ext uri="{FF2B5EF4-FFF2-40B4-BE49-F238E27FC236}">
-                <a16:creationId xmlns:a16="http://schemas.microsoft.com/office/drawing/2014/main" id="{8886E2C7-F17F-8BF3-60CC-4AFB4EF47AD1}"/>
+                <a16:creationId xmlns:a16="http://schemas.microsoft.com/office/drawing/2014/main" id="{CF87F137-1251-D34E-7B01-B1F289398CFD}"/>
               </a:ext>
             </a:extLst>
           </p:cNvPr>
@@ -1846,7 +1846,7 @@
           <p:cNvPr id="9" name="灯片编号占位符 8">
             <a:extLst>
               <a:ext uri="{FF2B5EF4-FFF2-40B4-BE49-F238E27FC236}">
-                <a16:creationId xmlns:a16="http://schemas.microsoft.com/office/drawing/2014/main" id="{EDBF6ECD-8AFF-E2DD-56F9-121ED67A0452}"/>
+                <a16:creationId xmlns:a16="http://schemas.microsoft.com/office/drawing/2014/main" id="{532E1872-DE08-6131-3B96-EB4EA715FF1C}"/>
               </a:ext>
             </a:extLst>
           </p:cNvPr>
@@ -1862,7 +1862,7 @@
           <a:bodyPr/>
           <a:lstStyle/>
           <a:p>
-            <a:fld id="{0D2681A0-609B-4C38-AD14-B10ED2357C43}" type="slidenum">
+            <a:fld id="{C28E1993-DC4C-4E7B-A39F-5410968D4895}" type="slidenum">
               <a:rPr lang="zh-CN" altLang="en-US" smtClean="0"/>
               <a:t>‹#›</a:t>
             </a:fld>
@@ -1873,7 +1873,7 @@
     </p:spTree>
     <p:extLst>
       <p:ext uri="{BB962C8B-B14F-4D97-AF65-F5344CB8AC3E}">
-        <p14:creationId xmlns:p14="http://schemas.microsoft.com/office/powerpoint/2010/main" val="4114075433"/>
+        <p14:creationId xmlns:p14="http://schemas.microsoft.com/office/powerpoint/2010/main" val="3324176918"/>
       </p:ext>
     </p:extLst>
   </p:cSld>
@@ -1905,7 +1905,7 @@
           <p:cNvPr id="2" name="标题 1">
             <a:extLst>
               <a:ext uri="{FF2B5EF4-FFF2-40B4-BE49-F238E27FC236}">
-                <a16:creationId xmlns:a16="http://schemas.microsoft.com/office/drawing/2014/main" id="{11568785-A50E-F6CB-8A1C-87CC3EFF6F8E}"/>
+                <a16:creationId xmlns:a16="http://schemas.microsoft.com/office/drawing/2014/main" id="{84ED67A0-6527-AF34-3C01-7FD8CC13CBBD}"/>
               </a:ext>
             </a:extLst>
           </p:cNvPr>
@@ -1933,7 +1933,7 @@
           <p:cNvPr id="3" name="日期占位符 2">
             <a:extLst>
               <a:ext uri="{FF2B5EF4-FFF2-40B4-BE49-F238E27FC236}">
-                <a16:creationId xmlns:a16="http://schemas.microsoft.com/office/drawing/2014/main" id="{1A6FCD52-BBE9-A3A5-7094-F9AB8C95308B}"/>
+                <a16:creationId xmlns:a16="http://schemas.microsoft.com/office/drawing/2014/main" id="{9B80D6AA-53F4-A41B-B8C4-86937E651D50}"/>
               </a:ext>
             </a:extLst>
           </p:cNvPr>
@@ -1949,7 +1949,7 @@
           <a:bodyPr/>
           <a:lstStyle/>
           <a:p>
-            <a:fld id="{D5327D9C-5B37-4ED7-B4C5-C26A8E889E44}" type="datetimeFigureOut">
+            <a:fld id="{4850415D-6D29-478F-B893-1BE9695F392A}" type="datetimeFigureOut">
               <a:rPr lang="zh-CN" altLang="en-US" smtClean="0"/>
               <a:t>2024/3/10</a:t>
             </a:fld>
@@ -1962,7 +1962,7 @@
           <p:cNvPr id="4" name="页脚占位符 3">
             <a:extLst>
               <a:ext uri="{FF2B5EF4-FFF2-40B4-BE49-F238E27FC236}">
-                <a16:creationId xmlns:a16="http://schemas.microsoft.com/office/drawing/2014/main" id="{2D740F3F-C863-F03B-7184-D9011810E110}"/>
+                <a16:creationId xmlns:a16="http://schemas.microsoft.com/office/drawing/2014/main" id="{7275A225-263A-ED83-B89C-AF6A79EFDD7E}"/>
               </a:ext>
             </a:extLst>
           </p:cNvPr>
@@ -1987,7 +1987,7 @@
           <p:cNvPr id="5" name="灯片编号占位符 4">
             <a:extLst>
               <a:ext uri="{FF2B5EF4-FFF2-40B4-BE49-F238E27FC236}">
-                <a16:creationId xmlns:a16="http://schemas.microsoft.com/office/drawing/2014/main" id="{71F1BA18-687D-DAA3-D8C7-3800A37453D9}"/>
+                <a16:creationId xmlns:a16="http://schemas.microsoft.com/office/drawing/2014/main" id="{6398D1C1-B143-28C4-4AD3-A4BABB24FA31}"/>
               </a:ext>
             </a:extLst>
           </p:cNvPr>
@@ -2003,7 +2003,7 @@
           <a:bodyPr/>
           <a:lstStyle/>
           <a:p>
-            <a:fld id="{0D2681A0-609B-4C38-AD14-B10ED2357C43}" type="slidenum">
+            <a:fld id="{C28E1993-DC4C-4E7B-A39F-5410968D4895}" type="slidenum">
               <a:rPr lang="zh-CN" altLang="en-US" smtClean="0"/>
               <a:t>‹#›</a:t>
             </a:fld>
@@ -2014,7 +2014,7 @@
     </p:spTree>
     <p:extLst>
       <p:ext uri="{BB962C8B-B14F-4D97-AF65-F5344CB8AC3E}">
-        <p14:creationId xmlns:p14="http://schemas.microsoft.com/office/powerpoint/2010/main" val="908890404"/>
+        <p14:creationId xmlns:p14="http://schemas.microsoft.com/office/powerpoint/2010/main" val="508790650"/>
       </p:ext>
     </p:extLst>
   </p:cSld>
@@ -2046,7 +2046,7 @@
           <p:cNvPr id="2" name="日期占位符 1">
             <a:extLst>
               <a:ext uri="{FF2B5EF4-FFF2-40B4-BE49-F238E27FC236}">
-                <a16:creationId xmlns:a16="http://schemas.microsoft.com/office/drawing/2014/main" id="{EA1A6609-4ECE-DB4F-BBE7-180CC2FDC4CC}"/>
+                <a16:creationId xmlns:a16="http://schemas.microsoft.com/office/drawing/2014/main" id="{CD747BFF-56D4-EBD5-7FBE-7682E90076EF}"/>
               </a:ext>
             </a:extLst>
           </p:cNvPr>
@@ -2062,7 +2062,7 @@
           <a:bodyPr/>
           <a:lstStyle/>
           <a:p>
-            <a:fld id="{D5327D9C-5B37-4ED7-B4C5-C26A8E889E44}" type="datetimeFigureOut">
+            <a:fld id="{4850415D-6D29-478F-B893-1BE9695F392A}" type="datetimeFigureOut">
               <a:rPr lang="zh-CN" altLang="en-US" smtClean="0"/>
               <a:t>2024/3/10</a:t>
             </a:fld>
@@ -2075,7 +2075,7 @@
           <p:cNvPr id="3" name="页脚占位符 2">
             <a:extLst>
               <a:ext uri="{FF2B5EF4-FFF2-40B4-BE49-F238E27FC236}">
-                <a16:creationId xmlns:a16="http://schemas.microsoft.com/office/drawing/2014/main" id="{4E7BE962-BE71-DA0C-76D5-F673B25CD89C}"/>
+                <a16:creationId xmlns:a16="http://schemas.microsoft.com/office/drawing/2014/main" id="{5A9C9C81-3406-8A59-020B-676062CC68EB}"/>
               </a:ext>
             </a:extLst>
           </p:cNvPr>
@@ -2100,7 +2100,7 @@
           <p:cNvPr id="4" name="灯片编号占位符 3">
             <a:extLst>
               <a:ext uri="{FF2B5EF4-FFF2-40B4-BE49-F238E27FC236}">
-                <a16:creationId xmlns:a16="http://schemas.microsoft.com/office/drawing/2014/main" id="{1EC10514-B681-1490-EAD4-98F494A14EB5}"/>
+                <a16:creationId xmlns:a16="http://schemas.microsoft.com/office/drawing/2014/main" id="{5A632772-AA44-3788-BBCB-7FC32AC5195A}"/>
               </a:ext>
             </a:extLst>
           </p:cNvPr>
@@ -2116,7 +2116,7 @@
           <a:bodyPr/>
           <a:lstStyle/>
           <a:p>
-            <a:fld id="{0D2681A0-609B-4C38-AD14-B10ED2357C43}" type="slidenum">
+            <a:fld id="{C28E1993-DC4C-4E7B-A39F-5410968D4895}" type="slidenum">
               <a:rPr lang="zh-CN" altLang="en-US" smtClean="0"/>
               <a:t>‹#›</a:t>
             </a:fld>
@@ -2127,7 +2127,7 @@
     </p:spTree>
     <p:extLst>
       <p:ext uri="{BB962C8B-B14F-4D97-AF65-F5344CB8AC3E}">
-        <p14:creationId xmlns:p14="http://schemas.microsoft.com/office/powerpoint/2010/main" val="1471325880"/>
+        <p14:creationId xmlns:p14="http://schemas.microsoft.com/office/powerpoint/2010/main" val="1590848453"/>
       </p:ext>
     </p:extLst>
   </p:cSld>
@@ -2159,7 +2159,7 @@
           <p:cNvPr id="2" name="标题 1">
             <a:extLst>
               <a:ext uri="{FF2B5EF4-FFF2-40B4-BE49-F238E27FC236}">
-                <a16:creationId xmlns:a16="http://schemas.microsoft.com/office/drawing/2014/main" id="{F4397DF1-1338-374E-17F6-B5EFF55B65BF}"/>
+                <a16:creationId xmlns:a16="http://schemas.microsoft.com/office/drawing/2014/main" id="{CF30645E-AEEC-CD04-313F-4C0D27F0F3C4}"/>
               </a:ext>
             </a:extLst>
           </p:cNvPr>
@@ -2196,7 +2196,7 @@
           <p:cNvPr id="3" name="内容占位符 2">
             <a:extLst>
               <a:ext uri="{FF2B5EF4-FFF2-40B4-BE49-F238E27FC236}">
-                <a16:creationId xmlns:a16="http://schemas.microsoft.com/office/drawing/2014/main" id="{82F75A53-30E0-441B-7CDD-5419ADB0B1FF}"/>
+                <a16:creationId xmlns:a16="http://schemas.microsoft.com/office/drawing/2014/main" id="{E3B220F9-4E4D-95F3-A9F3-EB72A2E9E3DE}"/>
               </a:ext>
             </a:extLst>
           </p:cNvPr>
@@ -2286,7 +2286,7 @@
           <p:cNvPr id="4" name="文本占位符 3">
             <a:extLst>
               <a:ext uri="{FF2B5EF4-FFF2-40B4-BE49-F238E27FC236}">
-                <a16:creationId xmlns:a16="http://schemas.microsoft.com/office/drawing/2014/main" id="{4423707A-895E-EF88-B6AA-E99ABF47F129}"/>
+                <a16:creationId xmlns:a16="http://schemas.microsoft.com/office/drawing/2014/main" id="{EB4B537D-B18E-AEF9-8EDD-19CAD8440A29}"/>
               </a:ext>
             </a:extLst>
           </p:cNvPr>
@@ -2357,7 +2357,7 @@
           <p:cNvPr id="5" name="日期占位符 4">
             <a:extLst>
               <a:ext uri="{FF2B5EF4-FFF2-40B4-BE49-F238E27FC236}">
-                <a16:creationId xmlns:a16="http://schemas.microsoft.com/office/drawing/2014/main" id="{E7B2E61D-434E-E65E-C945-C0322DCED5B0}"/>
+                <a16:creationId xmlns:a16="http://schemas.microsoft.com/office/drawing/2014/main" id="{4057AEFA-29B5-57D6-B83C-760CB33FF882}"/>
               </a:ext>
             </a:extLst>
           </p:cNvPr>
@@ -2373,7 +2373,7 @@
           <a:bodyPr/>
           <a:lstStyle/>
           <a:p>
-            <a:fld id="{D5327D9C-5B37-4ED7-B4C5-C26A8E889E44}" type="datetimeFigureOut">
+            <a:fld id="{4850415D-6D29-478F-B893-1BE9695F392A}" type="datetimeFigureOut">
               <a:rPr lang="zh-CN" altLang="en-US" smtClean="0"/>
               <a:t>2024/3/10</a:t>
             </a:fld>
@@ -2386,7 +2386,7 @@
           <p:cNvPr id="6" name="页脚占位符 5">
             <a:extLst>
               <a:ext uri="{FF2B5EF4-FFF2-40B4-BE49-F238E27FC236}">
-                <a16:creationId xmlns:a16="http://schemas.microsoft.com/office/drawing/2014/main" id="{CDBF688E-B786-A89A-5547-3FCCCBD8C75C}"/>
+                <a16:creationId xmlns:a16="http://schemas.microsoft.com/office/drawing/2014/main" id="{0BA084F7-353C-7F3D-D470-ADD692E8C1E0}"/>
               </a:ext>
             </a:extLst>
           </p:cNvPr>
@@ -2411,7 +2411,7 @@
           <p:cNvPr id="7" name="灯片编号占位符 6">
             <a:extLst>
               <a:ext uri="{FF2B5EF4-FFF2-40B4-BE49-F238E27FC236}">
-                <a16:creationId xmlns:a16="http://schemas.microsoft.com/office/drawing/2014/main" id="{AC8652C2-CCDF-DD33-1BF5-39BD229D8C04}"/>
+                <a16:creationId xmlns:a16="http://schemas.microsoft.com/office/drawing/2014/main" id="{21172222-3E93-70C2-F872-7BCE2CA764A0}"/>
               </a:ext>
             </a:extLst>
           </p:cNvPr>
@@ -2427,7 +2427,7 @@
           <a:bodyPr/>
           <a:lstStyle/>
           <a:p>
-            <a:fld id="{0D2681A0-609B-4C38-AD14-B10ED2357C43}" type="slidenum">
+            <a:fld id="{C28E1993-DC4C-4E7B-A39F-5410968D4895}" type="slidenum">
               <a:rPr lang="zh-CN" altLang="en-US" smtClean="0"/>
               <a:t>‹#›</a:t>
             </a:fld>
@@ -2438,7 +2438,7 @@
     </p:spTree>
     <p:extLst>
       <p:ext uri="{BB962C8B-B14F-4D97-AF65-F5344CB8AC3E}">
-        <p14:creationId xmlns:p14="http://schemas.microsoft.com/office/powerpoint/2010/main" val="2466037704"/>
+        <p14:creationId xmlns:p14="http://schemas.microsoft.com/office/powerpoint/2010/main" val="2484112436"/>
       </p:ext>
     </p:extLst>
   </p:cSld>
@@ -2470,7 +2470,7 @@
           <p:cNvPr id="2" name="标题 1">
             <a:extLst>
               <a:ext uri="{FF2B5EF4-FFF2-40B4-BE49-F238E27FC236}">
-                <a16:creationId xmlns:a16="http://schemas.microsoft.com/office/drawing/2014/main" id="{FB96C06B-CEBB-D0B1-A9B5-878D53FD978D}"/>
+                <a16:creationId xmlns:a16="http://schemas.microsoft.com/office/drawing/2014/main" id="{BABB2008-C1C4-CF58-A2C8-C0ACB9C07735}"/>
               </a:ext>
             </a:extLst>
           </p:cNvPr>
@@ -2507,7 +2507,7 @@
           <p:cNvPr id="3" name="图片占位符 2">
             <a:extLst>
               <a:ext uri="{FF2B5EF4-FFF2-40B4-BE49-F238E27FC236}">
-                <a16:creationId xmlns:a16="http://schemas.microsoft.com/office/drawing/2014/main" id="{D1D79C65-C53E-E380-2628-61EF2D2D5907}"/>
+                <a16:creationId xmlns:a16="http://schemas.microsoft.com/office/drawing/2014/main" id="{D89A27B5-B79D-3CBB-1549-C8A9A074833B}"/>
               </a:ext>
             </a:extLst>
           </p:cNvPr>
@@ -2574,7 +2574,7 @@
           <p:cNvPr id="4" name="文本占位符 3">
             <a:extLst>
               <a:ext uri="{FF2B5EF4-FFF2-40B4-BE49-F238E27FC236}">
-                <a16:creationId xmlns:a16="http://schemas.microsoft.com/office/drawing/2014/main" id="{F080F831-FF60-7621-0389-2017EE352E05}"/>
+                <a16:creationId xmlns:a16="http://schemas.microsoft.com/office/drawing/2014/main" id="{195FD511-62DF-C9C3-A23E-EE291D35729D}"/>
               </a:ext>
             </a:extLst>
           </p:cNvPr>
@@ -2645,7 +2645,7 @@
           <p:cNvPr id="5" name="日期占位符 4">
             <a:extLst>
               <a:ext uri="{FF2B5EF4-FFF2-40B4-BE49-F238E27FC236}">
-                <a16:creationId xmlns:a16="http://schemas.microsoft.com/office/drawing/2014/main" id="{11AA7C70-5CAA-40BF-3CEF-02841E446A9B}"/>
+                <a16:creationId xmlns:a16="http://schemas.microsoft.com/office/drawing/2014/main" id="{B27C137C-9F3B-0303-B0AF-CA43DAD9650E}"/>
               </a:ext>
             </a:extLst>
           </p:cNvPr>
@@ -2661,7 +2661,7 @@
           <a:bodyPr/>
           <a:lstStyle/>
           <a:p>
-            <a:fld id="{D5327D9C-5B37-4ED7-B4C5-C26A8E889E44}" type="datetimeFigureOut">
+            <a:fld id="{4850415D-6D29-478F-B893-1BE9695F392A}" type="datetimeFigureOut">
               <a:rPr lang="zh-CN" altLang="en-US" smtClean="0"/>
               <a:t>2024/3/10</a:t>
             </a:fld>
@@ -2674,7 +2674,7 @@
           <p:cNvPr id="6" name="页脚占位符 5">
             <a:extLst>
               <a:ext uri="{FF2B5EF4-FFF2-40B4-BE49-F238E27FC236}">
-                <a16:creationId xmlns:a16="http://schemas.microsoft.com/office/drawing/2014/main" id="{5B50C74C-4E4D-D90F-5643-81C7BB51A47E}"/>
+                <a16:creationId xmlns:a16="http://schemas.microsoft.com/office/drawing/2014/main" id="{9E28714D-4C3C-7370-0616-AC56CA598F03}"/>
               </a:ext>
             </a:extLst>
           </p:cNvPr>
@@ -2699,7 +2699,7 @@
           <p:cNvPr id="7" name="灯片编号占位符 6">
             <a:extLst>
               <a:ext uri="{FF2B5EF4-FFF2-40B4-BE49-F238E27FC236}">
-                <a16:creationId xmlns:a16="http://schemas.microsoft.com/office/drawing/2014/main" id="{9792ACE7-9835-97C4-C035-65AB97672882}"/>
+                <a16:creationId xmlns:a16="http://schemas.microsoft.com/office/drawing/2014/main" id="{F23F3AAB-F7E1-3139-4DC4-A0396588EBB2}"/>
               </a:ext>
             </a:extLst>
           </p:cNvPr>
@@ -2715,7 +2715,7 @@
           <a:bodyPr/>
           <a:lstStyle/>
           <a:p>
-            <a:fld id="{0D2681A0-609B-4C38-AD14-B10ED2357C43}" type="slidenum">
+            <a:fld id="{C28E1993-DC4C-4E7B-A39F-5410968D4895}" type="slidenum">
               <a:rPr lang="zh-CN" altLang="en-US" smtClean="0"/>
               <a:t>‹#›</a:t>
             </a:fld>
@@ -2726,7 +2726,7 @@
     </p:spTree>
     <p:extLst>
       <p:ext uri="{BB962C8B-B14F-4D97-AF65-F5344CB8AC3E}">
-        <p14:creationId xmlns:p14="http://schemas.microsoft.com/office/powerpoint/2010/main" val="2936283219"/>
+        <p14:creationId xmlns:p14="http://schemas.microsoft.com/office/powerpoint/2010/main" val="2950642221"/>
       </p:ext>
     </p:extLst>
   </p:cSld>
@@ -2763,7 +2763,7 @@
           <p:cNvPr id="2" name="标题占位符 1">
             <a:extLst>
               <a:ext uri="{FF2B5EF4-FFF2-40B4-BE49-F238E27FC236}">
-                <a16:creationId xmlns:a16="http://schemas.microsoft.com/office/drawing/2014/main" id="{C674865C-12C1-72B3-6FCA-6F23CD56E965}"/>
+                <a16:creationId xmlns:a16="http://schemas.microsoft.com/office/drawing/2014/main" id="{A45714B1-8A95-BB26-2D9C-74AFD33E5471}"/>
               </a:ext>
             </a:extLst>
           </p:cNvPr>
@@ -2801,7 +2801,7 @@
           <p:cNvPr id="3" name="文本占位符 2">
             <a:extLst>
               <a:ext uri="{FF2B5EF4-FFF2-40B4-BE49-F238E27FC236}">
-                <a16:creationId xmlns:a16="http://schemas.microsoft.com/office/drawing/2014/main" id="{0C668BFB-E870-8093-BB49-F94246E69ED1}"/>
+                <a16:creationId xmlns:a16="http://schemas.microsoft.com/office/drawing/2014/main" id="{EC627625-86C6-127D-76C1-AD370FAA0815}"/>
               </a:ext>
             </a:extLst>
           </p:cNvPr>
@@ -2868,7 +2868,7 @@
           <p:cNvPr id="4" name="日期占位符 3">
             <a:extLst>
               <a:ext uri="{FF2B5EF4-FFF2-40B4-BE49-F238E27FC236}">
-                <a16:creationId xmlns:a16="http://schemas.microsoft.com/office/drawing/2014/main" id="{01BF4EFC-DE82-4EDD-0D73-98518898AA3C}"/>
+                <a16:creationId xmlns:a16="http://schemas.microsoft.com/office/drawing/2014/main" id="{3BAD8767-CED6-7B25-748D-512A613AEFFC}"/>
               </a:ext>
             </a:extLst>
           </p:cNvPr>
@@ -2902,7 +2902,7 @@
             </a:lvl1pPr>
           </a:lstStyle>
           <a:p>
-            <a:fld id="{D5327D9C-5B37-4ED7-B4C5-C26A8E889E44}" type="datetimeFigureOut">
+            <a:fld id="{4850415D-6D29-478F-B893-1BE9695F392A}" type="datetimeFigureOut">
               <a:rPr lang="zh-CN" altLang="en-US" smtClean="0"/>
               <a:t>2024/3/10</a:t>
             </a:fld>
@@ -2915,7 +2915,7 @@
           <p:cNvPr id="5" name="页脚占位符 4">
             <a:extLst>
               <a:ext uri="{FF2B5EF4-FFF2-40B4-BE49-F238E27FC236}">
-                <a16:creationId xmlns:a16="http://schemas.microsoft.com/office/drawing/2014/main" id="{FA52F1B8-D0ED-5898-2F53-370FD940DBC2}"/>
+                <a16:creationId xmlns:a16="http://schemas.microsoft.com/office/drawing/2014/main" id="{D2F3BFB8-1C0F-DCEE-DC09-B509E80D3EFD}"/>
               </a:ext>
             </a:extLst>
           </p:cNvPr>
@@ -2958,7 +2958,7 @@
           <p:cNvPr id="6" name="灯片编号占位符 5">
             <a:extLst>
               <a:ext uri="{FF2B5EF4-FFF2-40B4-BE49-F238E27FC236}">
-                <a16:creationId xmlns:a16="http://schemas.microsoft.com/office/drawing/2014/main" id="{53672E59-5EE3-BFDF-4C55-F0404A0D5225}"/>
+                <a16:creationId xmlns:a16="http://schemas.microsoft.com/office/drawing/2014/main" id="{A14468A4-EFC3-AFB7-2873-11DDDD5013B0}"/>
               </a:ext>
             </a:extLst>
           </p:cNvPr>
@@ -2992,7 +2992,7 @@
             </a:lvl1pPr>
           </a:lstStyle>
           <a:p>
-            <a:fld id="{0D2681A0-609B-4C38-AD14-B10ED2357C43}" type="slidenum">
+            <a:fld id="{C28E1993-DC4C-4E7B-A39F-5410968D4895}" type="slidenum">
               <a:rPr lang="zh-CN" altLang="en-US" smtClean="0"/>
               <a:t>‹#›</a:t>
             </a:fld>
@@ -3003,7 +3003,7 @@
     </p:spTree>
     <p:extLst>
       <p:ext uri="{BB962C8B-B14F-4D97-AF65-F5344CB8AC3E}">
-        <p14:creationId xmlns:p14="http://schemas.microsoft.com/office/powerpoint/2010/main" val="2535060129"/>
+        <p14:creationId xmlns:p14="http://schemas.microsoft.com/office/powerpoint/2010/main" val="632644991"/>
       </p:ext>
     </p:extLst>
   </p:cSld>
